--- a/06. Module/06. Module.pptx
+++ b/06. Module/06. Module.pptx
@@ -4346,13 +4346,13 @@
   <p:clrMapOvr>
     <a:masterClrMapping/>
   </p:clrMapOvr>
-  <mc:AlternateContent xmlns:mc="http://schemas.openxmlformats.org/markup-compatibility/2006">
-    <mc:Choice xmlns:p159="http://schemas.microsoft.com/office/powerpoint/2015/09/main" Requires="p159">
+  <mc:AlternateContent xmlns:mc="http://schemas.openxmlformats.org/markup-compatibility/2006" xmlns:p159="http://schemas.microsoft.com/office/powerpoint/2015/09/main">
+    <mc:Choice Requires="p159">
       <p:transition>
         <p159:morph option="byObject"/>
       </p:transition>
     </mc:Choice>
-    <mc:Fallback>
+    <mc:Fallback xmlns="">
       <p:transition>
         <p:fade/>
       </p:transition>
@@ -4559,13 +4559,13 @@
   <p:clrMapOvr>
     <a:masterClrMapping/>
   </p:clrMapOvr>
-  <mc:AlternateContent xmlns:mc="http://schemas.openxmlformats.org/markup-compatibility/2006">
-    <mc:Choice xmlns:p159="http://schemas.microsoft.com/office/powerpoint/2015/09/main" Requires="p159">
+  <mc:AlternateContent xmlns:mc="http://schemas.openxmlformats.org/markup-compatibility/2006" xmlns:p159="http://schemas.microsoft.com/office/powerpoint/2015/09/main">
+    <mc:Choice Requires="p159">
       <p:transition>
         <p159:morph option="byObject"/>
       </p:transition>
     </mc:Choice>
-    <mc:Fallback>
+    <mc:Fallback xmlns="">
       <p:transition>
         <p:fade/>
       </p:transition>
@@ -5152,13 +5152,13 @@
   <p:clrMapOvr>
     <a:masterClrMapping/>
   </p:clrMapOvr>
-  <mc:AlternateContent xmlns:mc="http://schemas.openxmlformats.org/markup-compatibility/2006">
-    <mc:Choice xmlns:p159="http://schemas.microsoft.com/office/powerpoint/2015/09/main" Requires="p159">
+  <mc:AlternateContent xmlns:mc="http://schemas.openxmlformats.org/markup-compatibility/2006" xmlns:p159="http://schemas.microsoft.com/office/powerpoint/2015/09/main">
+    <mc:Choice Requires="p159">
       <p:transition>
         <p159:morph option="byObject"/>
       </p:transition>
     </mc:Choice>
-    <mc:Fallback>
+    <mc:Fallback xmlns="">
       <p:transition>
         <p:fade/>
       </p:transition>
@@ -5389,13 +5389,13 @@
   <p:clrMapOvr>
     <a:masterClrMapping/>
   </p:clrMapOvr>
-  <mc:AlternateContent xmlns:mc="http://schemas.openxmlformats.org/markup-compatibility/2006">
-    <mc:Choice xmlns:p159="http://schemas.microsoft.com/office/powerpoint/2015/09/main" Requires="p159">
+  <mc:AlternateContent xmlns:mc="http://schemas.openxmlformats.org/markup-compatibility/2006" xmlns:p159="http://schemas.microsoft.com/office/powerpoint/2015/09/main">
+    <mc:Choice Requires="p159">
       <p:transition>
         <p159:morph option="byObject"/>
       </p:transition>
     </mc:Choice>
-    <mc:Fallback>
+    <mc:Fallback xmlns="">
       <p:transition>
         <p:fade/>
       </p:transition>
@@ -5470,13 +5470,13 @@
   <p:clrMapOvr>
     <a:masterClrMapping/>
   </p:clrMapOvr>
-  <mc:AlternateContent xmlns:mc="http://schemas.openxmlformats.org/markup-compatibility/2006">
-    <mc:Choice xmlns:p159="http://schemas.microsoft.com/office/powerpoint/2015/09/main" Requires="p159">
+  <mc:AlternateContent xmlns:mc="http://schemas.openxmlformats.org/markup-compatibility/2006" xmlns:p159="http://schemas.microsoft.com/office/powerpoint/2015/09/main">
+    <mc:Choice Requires="p159">
       <p:transition>
         <p159:morph option="byObject"/>
       </p:transition>
     </mc:Choice>
-    <mc:Fallback>
+    <mc:Fallback xmlns="">
       <p:transition>
         <p:fade/>
       </p:transition>
@@ -5687,13 +5687,13 @@
   <p:clrMapOvr>
     <a:masterClrMapping/>
   </p:clrMapOvr>
-  <mc:AlternateContent xmlns:mc="http://schemas.openxmlformats.org/markup-compatibility/2006">
-    <mc:Choice xmlns:p159="http://schemas.microsoft.com/office/powerpoint/2015/09/main" Requires="p159">
+  <mc:AlternateContent xmlns:mc="http://schemas.openxmlformats.org/markup-compatibility/2006" xmlns:p159="http://schemas.microsoft.com/office/powerpoint/2015/09/main">
+    <mc:Choice Requires="p159">
       <p:transition>
         <p159:morph option="byObject"/>
       </p:transition>
     </mc:Choice>
-    <mc:Fallback>
+    <mc:Fallback xmlns="">
       <p:transition>
         <p:fade/>
       </p:transition>
@@ -6000,13 +6000,13 @@
   <p:clrMapOvr>
     <a:masterClrMapping/>
   </p:clrMapOvr>
-  <mc:AlternateContent xmlns:mc="http://schemas.openxmlformats.org/markup-compatibility/2006">
-    <mc:Choice xmlns:p159="http://schemas.microsoft.com/office/powerpoint/2015/09/main" Requires="p159">
+  <mc:AlternateContent xmlns:mc="http://schemas.openxmlformats.org/markup-compatibility/2006" xmlns:p159="http://schemas.microsoft.com/office/powerpoint/2015/09/main">
+    <mc:Choice Requires="p159">
       <p:transition>
         <p159:morph option="byObject"/>
       </p:transition>
     </mc:Choice>
-    <mc:Fallback>
+    <mc:Fallback xmlns="">
       <p:transition>
         <p:fade/>
       </p:transition>
@@ -6082,13 +6082,13 @@
   <p:clrMapOvr>
     <a:masterClrMapping/>
   </p:clrMapOvr>
-  <mc:AlternateContent xmlns:mc="http://schemas.openxmlformats.org/markup-compatibility/2006">
-    <mc:Choice xmlns:p159="http://schemas.microsoft.com/office/powerpoint/2015/09/main" Requires="p159">
+  <mc:AlternateContent xmlns:mc="http://schemas.openxmlformats.org/markup-compatibility/2006" xmlns:p159="http://schemas.microsoft.com/office/powerpoint/2015/09/main">
+    <mc:Choice Requires="p159">
       <p:transition>
         <p159:morph option="byObject"/>
       </p:transition>
     </mc:Choice>
-    <mc:Fallback>
+    <mc:Fallback xmlns="">
       <p:transition>
         <p:fade/>
       </p:transition>
@@ -6163,13 +6163,13 @@
   <p:clrMapOvr>
     <a:masterClrMapping/>
   </p:clrMapOvr>
-  <mc:AlternateContent xmlns:mc="http://schemas.openxmlformats.org/markup-compatibility/2006">
-    <mc:Choice xmlns:p159="http://schemas.microsoft.com/office/powerpoint/2015/09/main" Requires="p159">
+  <mc:AlternateContent xmlns:mc="http://schemas.openxmlformats.org/markup-compatibility/2006" xmlns:p159="http://schemas.microsoft.com/office/powerpoint/2015/09/main">
+    <mc:Choice Requires="p159">
       <p:transition>
         <p159:morph option="byObject"/>
       </p:transition>
     </mc:Choice>
-    <mc:Fallback>
+    <mc:Fallback xmlns="">
       <p:transition>
         <p:fade/>
       </p:transition>
@@ -6544,13 +6544,13 @@
   <p:clrMapOvr>
     <a:masterClrMapping/>
   </p:clrMapOvr>
-  <mc:AlternateContent xmlns:mc="http://schemas.openxmlformats.org/markup-compatibility/2006">
-    <mc:Choice xmlns:p159="http://schemas.microsoft.com/office/powerpoint/2015/09/main" Requires="p159">
+  <mc:AlternateContent xmlns:mc="http://schemas.openxmlformats.org/markup-compatibility/2006" xmlns:p159="http://schemas.microsoft.com/office/powerpoint/2015/09/main">
+    <mc:Choice Requires="p159">
       <p:transition>
         <p159:morph option="byObject"/>
       </p:transition>
     </mc:Choice>
-    <mc:Fallback>
+    <mc:Fallback xmlns="">
       <p:transition>
         <p:fade/>
       </p:transition>
@@ -6750,13 +6750,13 @@
   <p:clrMapOvr>
     <a:masterClrMapping/>
   </p:clrMapOvr>
-  <mc:AlternateContent xmlns:mc="http://schemas.openxmlformats.org/markup-compatibility/2006">
-    <mc:Choice xmlns:p159="http://schemas.microsoft.com/office/powerpoint/2015/09/main" Requires="p159">
+  <mc:AlternateContent xmlns:mc="http://schemas.openxmlformats.org/markup-compatibility/2006" xmlns:p159="http://schemas.microsoft.com/office/powerpoint/2015/09/main">
+    <mc:Choice Requires="p159">
       <p:transition>
         <p159:morph option="byObject"/>
       </p:transition>
     </mc:Choice>
-    <mc:Fallback>
+    <mc:Fallback xmlns="">
       <p:transition>
         <p:fade/>
       </p:transition>
@@ -6831,13 +6831,13 @@
   <p:clrMapOvr>
     <a:masterClrMapping/>
   </p:clrMapOvr>
-  <mc:AlternateContent xmlns:mc="http://schemas.openxmlformats.org/markup-compatibility/2006">
-    <mc:Choice xmlns:p159="http://schemas.microsoft.com/office/powerpoint/2015/09/main" Requires="p159">
+  <mc:AlternateContent xmlns:mc="http://schemas.openxmlformats.org/markup-compatibility/2006" xmlns:p159="http://schemas.microsoft.com/office/powerpoint/2015/09/main">
+    <mc:Choice Requires="p159">
       <p:transition>
         <p159:morph option="byObject"/>
       </p:transition>
     </mc:Choice>
-    <mc:Fallback>
+    <mc:Fallback xmlns="">
       <p:transition>
         <p:fade/>
       </p:transition>
@@ -6964,13 +6964,13 @@
   <p:clrMapOvr>
     <a:masterClrMapping/>
   </p:clrMapOvr>
-  <mc:AlternateContent xmlns:mc="http://schemas.openxmlformats.org/markup-compatibility/2006">
-    <mc:Choice xmlns:p159="http://schemas.microsoft.com/office/powerpoint/2015/09/main" Requires="p159">
+  <mc:AlternateContent xmlns:mc="http://schemas.openxmlformats.org/markup-compatibility/2006" xmlns:p159="http://schemas.microsoft.com/office/powerpoint/2015/09/main">
+    <mc:Choice Requires="p159">
       <p:transition>
         <p159:morph option="byObject"/>
       </p:transition>
     </mc:Choice>
-    <mc:Fallback>
+    <mc:Fallback xmlns="">
       <p:transition>
         <p:fade/>
       </p:transition>
@@ -7107,13 +7107,13 @@
   <p:clrMapOvr>
     <a:masterClrMapping/>
   </p:clrMapOvr>
-  <mc:AlternateContent xmlns:mc="http://schemas.openxmlformats.org/markup-compatibility/2006">
-    <mc:Choice xmlns:p159="http://schemas.microsoft.com/office/powerpoint/2015/09/main" Requires="p159">
+  <mc:AlternateContent xmlns:mc="http://schemas.openxmlformats.org/markup-compatibility/2006" xmlns:p159="http://schemas.microsoft.com/office/powerpoint/2015/09/main">
+    <mc:Choice Requires="p159">
       <p:transition>
         <p159:morph option="byObject"/>
       </p:transition>
     </mc:Choice>
-    <mc:Fallback>
+    <mc:Fallback xmlns="">
       <p:transition>
         <p:fade/>
       </p:transition>
@@ -8383,13 +8383,13 @@
   <p:clrMapOvr>
     <a:masterClrMapping/>
   </p:clrMapOvr>
-  <mc:AlternateContent xmlns:mc="http://schemas.openxmlformats.org/markup-compatibility/2006">
-    <mc:Choice xmlns:p159="http://schemas.microsoft.com/office/powerpoint/2015/09/main" Requires="p159">
+  <mc:AlternateContent xmlns:mc="http://schemas.openxmlformats.org/markup-compatibility/2006" xmlns:p159="http://schemas.microsoft.com/office/powerpoint/2015/09/main">
+    <mc:Choice Requires="p159">
       <p:transition>
         <p159:morph option="byObject"/>
       </p:transition>
     </mc:Choice>
-    <mc:Fallback>
+    <mc:Fallback xmlns="">
       <p:transition>
         <p:fade/>
       </p:transition>
@@ -8464,13 +8464,13 @@
   <p:clrMapOvr>
     <a:masterClrMapping/>
   </p:clrMapOvr>
-  <mc:AlternateContent xmlns:mc="http://schemas.openxmlformats.org/markup-compatibility/2006">
-    <mc:Choice xmlns:p159="http://schemas.microsoft.com/office/powerpoint/2015/09/main" Requires="p159">
+  <mc:AlternateContent xmlns:mc="http://schemas.openxmlformats.org/markup-compatibility/2006" xmlns:p159="http://schemas.microsoft.com/office/powerpoint/2015/09/main">
+    <mc:Choice Requires="p159">
       <p:transition>
         <p159:morph option="byObject"/>
       </p:transition>
     </mc:Choice>
-    <mc:Fallback>
+    <mc:Fallback xmlns="">
       <p:transition>
         <p:fade/>
       </p:transition>
@@ -8545,13 +8545,13 @@
   <p:clrMapOvr>
     <a:masterClrMapping/>
   </p:clrMapOvr>
-  <mc:AlternateContent xmlns:mc="http://schemas.openxmlformats.org/markup-compatibility/2006">
-    <mc:Choice xmlns:p159="http://schemas.microsoft.com/office/powerpoint/2015/09/main" Requires="p159">
+  <mc:AlternateContent xmlns:mc="http://schemas.openxmlformats.org/markup-compatibility/2006" xmlns:p159="http://schemas.microsoft.com/office/powerpoint/2015/09/main">
+    <mc:Choice Requires="p159">
       <p:transition>
         <p159:morph option="byObject"/>
       </p:transition>
     </mc:Choice>
-    <mc:Fallback>
+    <mc:Fallback xmlns="">
       <p:transition>
         <p:fade/>
       </p:transition>
@@ -8629,13 +8629,13 @@
   <p:clrMapOvr>
     <a:masterClrMapping/>
   </p:clrMapOvr>
-  <mc:AlternateContent xmlns:mc="http://schemas.openxmlformats.org/markup-compatibility/2006">
-    <mc:Choice xmlns:p159="http://schemas.microsoft.com/office/powerpoint/2015/09/main" Requires="p159">
+  <mc:AlternateContent xmlns:mc="http://schemas.openxmlformats.org/markup-compatibility/2006" xmlns:p159="http://schemas.microsoft.com/office/powerpoint/2015/09/main">
+    <mc:Choice Requires="p159">
       <p:transition>
         <p159:morph option="byObject"/>
       </p:transition>
     </mc:Choice>
-    <mc:Fallback>
+    <mc:Fallback xmlns="">
       <p:transition>
         <p:fade/>
       </p:transition>
@@ -9075,13 +9075,13 @@
   <p:clrMapOvr>
     <a:masterClrMapping/>
   </p:clrMapOvr>
-  <mc:AlternateContent xmlns:mc="http://schemas.openxmlformats.org/markup-compatibility/2006">
-    <mc:Choice xmlns:p159="http://schemas.microsoft.com/office/powerpoint/2015/09/main" Requires="p159">
+  <mc:AlternateContent xmlns:mc="http://schemas.openxmlformats.org/markup-compatibility/2006" xmlns:p159="http://schemas.microsoft.com/office/powerpoint/2015/09/main">
+    <mc:Choice Requires="p159">
       <p:transition>
         <p159:morph option="byObject"/>
       </p:transition>
     </mc:Choice>
-    <mc:Fallback>
+    <mc:Fallback xmlns="">
       <p:transition>
         <p:fade/>
       </p:transition>
@@ -9242,13 +9242,13 @@
   <p:clrMapOvr>
     <a:masterClrMapping/>
   </p:clrMapOvr>
-  <mc:AlternateContent xmlns:mc="http://schemas.openxmlformats.org/markup-compatibility/2006">
-    <mc:Choice xmlns:p159="http://schemas.microsoft.com/office/powerpoint/2015/09/main" Requires="p159">
+  <mc:AlternateContent xmlns:mc="http://schemas.openxmlformats.org/markup-compatibility/2006" xmlns:p159="http://schemas.microsoft.com/office/powerpoint/2015/09/main">
+    <mc:Choice Requires="p159">
       <p:transition>
         <p159:morph option="byObject"/>
       </p:transition>
     </mc:Choice>
-    <mc:Fallback>
+    <mc:Fallback xmlns="">
       <p:transition>
         <p:fade/>
       </p:transition>
@@ -9633,13 +9633,13 @@
   <p:clrMapOvr>
     <a:masterClrMapping/>
   </p:clrMapOvr>
-  <mc:AlternateContent xmlns:mc="http://schemas.openxmlformats.org/markup-compatibility/2006">
-    <mc:Choice xmlns:p159="http://schemas.microsoft.com/office/powerpoint/2015/09/main" Requires="p159">
+  <mc:AlternateContent xmlns:mc="http://schemas.openxmlformats.org/markup-compatibility/2006" xmlns:p159="http://schemas.microsoft.com/office/powerpoint/2015/09/main">
+    <mc:Choice Requires="p159">
       <p:transition>
         <p159:morph option="byObject"/>
       </p:transition>
     </mc:Choice>
-    <mc:Fallback>
+    <mc:Fallback xmlns="">
       <p:transition>
         <p:fade/>
       </p:transition>
@@ -10091,13 +10091,13 @@
   <p:clrMapOvr>
     <a:masterClrMapping/>
   </p:clrMapOvr>
-  <mc:AlternateContent xmlns:mc="http://schemas.openxmlformats.org/markup-compatibility/2006">
-    <mc:Choice xmlns:p159="http://schemas.microsoft.com/office/powerpoint/2015/09/main" Requires="p159">
+  <mc:AlternateContent xmlns:mc="http://schemas.openxmlformats.org/markup-compatibility/2006" xmlns:p159="http://schemas.microsoft.com/office/powerpoint/2015/09/main">
+    <mc:Choice Requires="p159">
       <p:transition>
         <p159:morph option="byObject"/>
       </p:transition>
     </mc:Choice>
-    <mc:Fallback>
+    <mc:Fallback xmlns="">
       <p:transition>
         <p:fade/>
       </p:transition>
@@ -10883,13 +10883,13 @@
   <p:clrMapOvr>
     <a:masterClrMapping/>
   </p:clrMapOvr>
-  <mc:AlternateContent xmlns:mc="http://schemas.openxmlformats.org/markup-compatibility/2006">
-    <mc:Choice xmlns:p159="http://schemas.microsoft.com/office/powerpoint/2015/09/main" Requires="p159">
+  <mc:AlternateContent xmlns:mc="http://schemas.openxmlformats.org/markup-compatibility/2006" xmlns:p159="http://schemas.microsoft.com/office/powerpoint/2015/09/main">
+    <mc:Choice Requires="p159">
       <p:transition>
         <p159:morph option="byObject"/>
       </p:transition>
     </mc:Choice>
-    <mc:Fallback>
+    <mc:Fallback xmlns="">
       <p:transition>
         <p:fade/>
       </p:transition>
@@ -11229,13 +11229,13 @@
   <p:clrMapOvr>
     <a:masterClrMapping/>
   </p:clrMapOvr>
-  <mc:AlternateContent xmlns:mc="http://schemas.openxmlformats.org/markup-compatibility/2006">
-    <mc:Choice xmlns:p159="http://schemas.microsoft.com/office/powerpoint/2015/09/main" Requires="p159">
+  <mc:AlternateContent xmlns:mc="http://schemas.openxmlformats.org/markup-compatibility/2006" xmlns:p159="http://schemas.microsoft.com/office/powerpoint/2015/09/main">
+    <mc:Choice Requires="p159">
       <p:transition>
         <p159:morph option="byObject"/>
       </p:transition>
     </mc:Choice>
-    <mc:Fallback>
+    <mc:Fallback xmlns="">
       <p:transition>
         <p:fade/>
       </p:transition>
